--- a/construction/construction_results.pptx
+++ b/construction/construction_results.pptx
@@ -8,6 +8,7 @@
     <p:sldId r:id="rId7" id="256"/>
     <p:sldId r:id="rId8" id="257"/>
     <p:sldId r:id="rId9" id="258"/>
+    <p:sldId r:id="rId10" id="259"/>
   </p:sldIdLst>
   <p:sldSz cx="14630400" cy="8229600" type="screen4x3"/>
   <p:notesSz cx="6858000" cy="9144000"/>
@@ -3118,7 +3119,7 @@
           </a:p>
           <a:p>
             <a:r>
-              <a:t>Heatmaps of all genes in experiment</a:t>
+              <a:t>Experiment overview</a:t>
             </a:r>
           </a:p>
         </p:txBody>
@@ -3140,7 +3141,55 @@
         <p:spPr>
           <a:xfrm>
             <a:off x="457200" y="914400"/>
-            <a:ext cx="6400800" cy="6400800"/>
+            <a:ext cx="5486400" cy="6400800"/>
+          </a:xfrm>
+          <a:prstGeom prst="rect">
+            <a:avLst/>
+          </a:prstGeom>
+        </p:spPr>
+      </p:pic>
+      <p:pic>
+        <p:nvPicPr>
+          <p:cNvPr id="4" name="Picture 3" descr="plot_initial_pca.png"/>
+          <p:cNvPicPr>
+            <a:picLocks noChangeAspect="1"/>
+          </p:cNvPicPr>
+          <p:nvPr/>
+        </p:nvPicPr>
+        <p:blipFill>
+          <a:blip r:embed="rId3"/>
+          <a:stretch>
+            <a:fillRect/>
+          </a:stretch>
+        </p:blipFill>
+        <p:spPr>
+          <a:xfrm>
+            <a:off x="6400800" y="914400"/>
+            <a:ext cx="4251960" cy="2743200"/>
+          </a:xfrm>
+          <a:prstGeom prst="rect">
+            <a:avLst/>
+          </a:prstGeom>
+        </p:spPr>
+      </p:pic>
+      <p:pic>
+        <p:nvPicPr>
+          <p:cNvPr id="5" name="Picture 4" descr="plot_weights.png"/>
+          <p:cNvPicPr>
+            <a:picLocks noChangeAspect="1"/>
+          </p:cNvPicPr>
+          <p:nvPr/>
+        </p:nvPicPr>
+        <p:blipFill>
+          <a:blip r:embed="rId4"/>
+          <a:stretch>
+            <a:fillRect/>
+          </a:stretch>
+        </p:blipFill>
+        <p:spPr>
+          <a:xfrm>
+            <a:off x="9144000" y="914400"/>
+            <a:ext cx="2194560" cy="2743200"/>
           </a:xfrm>
           <a:prstGeom prst="rect">
             <a:avLst/>
@@ -3193,6 +3242,129 @@
           </a:p>
           <a:p>
             <a:r>
+              <a:t>Training CARTEx</a:t>
+            </a:r>
+          </a:p>
+        </p:txBody>
+      </p:sp>
+      <p:pic>
+        <p:nvPicPr>
+          <p:cNvPr id="3" name="Picture 2" descr="plt_CARTEx_630.png"/>
+          <p:cNvPicPr>
+            <a:picLocks noChangeAspect="1"/>
+          </p:cNvPicPr>
+          <p:nvPr/>
+        </p:nvPicPr>
+        <p:blipFill>
+          <a:blip r:embed="rId2"/>
+          <a:stretch>
+            <a:fillRect/>
+          </a:stretch>
+        </p:blipFill>
+        <p:spPr>
+          <a:xfrm>
+            <a:off x="457200" y="914400"/>
+            <a:ext cx="3657600" cy="2743200"/>
+          </a:xfrm>
+          <a:prstGeom prst="rect">
+            <a:avLst/>
+          </a:prstGeom>
+        </p:spPr>
+      </p:pic>
+      <p:pic>
+        <p:nvPicPr>
+          <p:cNvPr id="4" name="Picture 3" descr="plt_CARTEx_200.png"/>
+          <p:cNvPicPr>
+            <a:picLocks noChangeAspect="1"/>
+          </p:cNvPicPr>
+          <p:nvPr/>
+        </p:nvPicPr>
+        <p:blipFill>
+          <a:blip r:embed="rId3"/>
+          <a:stretch>
+            <a:fillRect/>
+          </a:stretch>
+        </p:blipFill>
+        <p:spPr>
+          <a:xfrm>
+            <a:off x="4114800" y="914400"/>
+            <a:ext cx="3657600" cy="2743200"/>
+          </a:xfrm>
+          <a:prstGeom prst="rect">
+            <a:avLst/>
+          </a:prstGeom>
+        </p:spPr>
+      </p:pic>
+      <p:pic>
+        <p:nvPicPr>
+          <p:cNvPr id="5" name="Picture 4" descr="plt_CARTEx_84.png"/>
+          <p:cNvPicPr>
+            <a:picLocks noChangeAspect="1"/>
+          </p:cNvPicPr>
+          <p:nvPr/>
+        </p:nvPicPr>
+        <p:blipFill>
+          <a:blip r:embed="rId4"/>
+          <a:stretch>
+            <a:fillRect/>
+          </a:stretch>
+        </p:blipFill>
+        <p:spPr>
+          <a:xfrm>
+            <a:off x="7772400" y="914400"/>
+            <a:ext cx="3657600" cy="2743200"/>
+          </a:xfrm>
+          <a:prstGeom prst="rect">
+            <a:avLst/>
+          </a:prstGeom>
+        </p:spPr>
+      </p:pic>
+    </p:spTree>
+  </p:cSld>
+  <p:clrMapOvr>
+    <a:masterClrMapping/>
+  </p:clrMapOvr>
+</p:sld>
+</file>
+
+<file path=ppt/slides/slide3.xml><?xml version="1.0" encoding="utf-8"?>
+<p:sld xmlns:a="http://schemas.openxmlformats.org/drawingml/2006/main" xmlns:p="http://schemas.openxmlformats.org/presentationml/2006/main" xmlns:r="http://schemas.openxmlformats.org/officeDocument/2006/relationships">
+  <p:cSld>
+    <p:spTree>
+      <p:nvGrpSpPr>
+        <p:cNvPr id="1" name=""/>
+        <p:cNvGrpSpPr/>
+        <p:nvPr/>
+      </p:nvGrpSpPr>
+      <p:grpSpPr/>
+      <p:sp>
+        <p:nvSpPr>
+          <p:cNvPr id="2" name="TextBox 1"/>
+          <p:cNvSpPr txBox="1"/>
+          <p:nvPr/>
+        </p:nvSpPr>
+        <p:spPr>
+          <a:xfrm>
+            <a:off x="0" y="0"/>
+            <a:ext cx="914400" cy="914400"/>
+          </a:xfrm>
+          <a:prstGeom prst="rect">
+            <a:avLst/>
+          </a:prstGeom>
+          <a:noFill/>
+        </p:spPr>
+        <p:txBody>
+          <a:bodyPr wrap="none">
+            <a:spAutoFit/>
+          </a:bodyPr>
+          <a:lstStyle/>
+          <a:p>
+            <a:r>
+              <a:t>construction: Construction analysis</a:t>
+            </a:r>
+          </a:p>
+          <a:p>
+            <a:r>
               <a:t>Heatmaps of exhaustion</a:t>
             </a:r>
           </a:p>
@@ -3570,7 +3742,7 @@
 </p:sld>
 </file>
 
-<file path=ppt/slides/slide3.xml><?xml version="1.0" encoding="utf-8"?>
+<file path=ppt/slides/slide4.xml><?xml version="1.0" encoding="utf-8"?>
 <p:sld xmlns:a="http://schemas.openxmlformats.org/drawingml/2006/main" xmlns:p="http://schemas.openxmlformats.org/presentationml/2006/main" xmlns:r="http://schemas.openxmlformats.org/officeDocument/2006/relationships">
   <p:cSld>
     <p:spTree>
